--- a/Slides/Module 6.pptx
+++ b/Slides/Module 6.pptx
@@ -124,10 +124,21 @@
   </p:defaultTextStyle>
   <p:extLst>
     <p:ext uri="{EFAFB233-063F-42B5-8137-9DF3F51BA10A}">
-      <p15:sldGuideLst xmlns:p15="http://schemas.microsoft.com/office/powerpoint/2012/main" xmlns=""/>
+      <p15:sldGuideLst xmlns:p15="http://schemas.microsoft.com/office/powerpoint/2012/main">
+        <p15:guide id="1" orient="horz" pos="2160">
+          <p15:clr>
+            <a:srgbClr val="A4A3A4"/>
+          </p15:clr>
+        </p15:guide>
+        <p15:guide id="2" pos="3840">
+          <p15:clr>
+            <a:srgbClr val="A4A3A4"/>
+          </p15:clr>
+        </p15:guide>
+      </p15:sldGuideLst>
     </p:ext>
     <p:ext uri="{2D200454-40CA-4A62-9FC3-DE9A4176ACB9}">
-      <p15:notesGuideLst xmlns:p15="http://schemas.microsoft.com/office/powerpoint/2012/main" xmlns=""/>
+      <p15:notesGuideLst xmlns:p15="http://schemas.microsoft.com/office/powerpoint/2012/main"/>
     </p:ext>
   </p:extLst>
 </p:presentation>
@@ -215,7 +226,7 @@
           <a:p>
             <a:fld id="{312E7B4A-039C-48A2-9B2C-AF16AA3873D8}" type="datetimeFigureOut">
               <a:rPr lang="en-US" smtClean="0"/>
-              <a:t>12/3/14</a:t>
+              <a:t>12/3/2014</a:t>
             </a:fld>
             <a:endParaRPr lang="en-US"/>
           </a:p>
@@ -380,7 +391,7 @@
           <a:p>
             <a:fld id="{DA005A0C-54D9-45AA-87D4-C551D08DFCE1}" type="datetimeFigureOut">
               <a:rPr lang="en-US" smtClean="0"/>
-              <a:t>12/3/14</a:t>
+              <a:t>12/3/2014</a:t>
             </a:fld>
             <a:endParaRPr lang="en-US"/>
           </a:p>
@@ -1806,13 +1817,13 @@
   <p:timing>
     <p:tnLst>
       <p:par>
-        <p:cTn xmlns:p14="http://schemas.microsoft.com/office/powerpoint/2010/main" id="1" dur="indefinite" restart="never" nodeType="tmRoot"/>
+        <p:cTn id="1" dur="indefinite" restart="never" nodeType="tmRoot"/>
       </p:par>
     </p:tnLst>
   </p:timing>
   <p:extLst mod="1">
     <p:ext uri="{DCECCB84-F9BA-43D5-87BE-67443E8EF086}">
-      <p15:sldGuideLst xmlns:p15="http://schemas.microsoft.com/office/powerpoint/2012/main" xmlns="">
+      <p15:sldGuideLst xmlns:p15="http://schemas.microsoft.com/office/powerpoint/2012/main">
         <p15:guide id="1" orient="horz" pos="3792">
           <p15:clr>
             <a:srgbClr val="FBAE40"/>
@@ -2465,13 +2476,13 @@
   <p:timing>
     <p:tnLst>
       <p:par>
-        <p:cTn xmlns:p14="http://schemas.microsoft.com/office/powerpoint/2010/main" id="1" dur="indefinite" restart="never" nodeType="tmRoot"/>
+        <p:cTn id="1" dur="indefinite" restart="never" nodeType="tmRoot"/>
       </p:par>
     </p:tnLst>
   </p:timing>
   <p:extLst mod="1">
     <p:ext uri="{DCECCB84-F9BA-43D5-87BE-67443E8EF086}">
-      <p15:sldGuideLst xmlns:p15="http://schemas.microsoft.com/office/powerpoint/2012/main" xmlns="">
+      <p15:sldGuideLst xmlns:p15="http://schemas.microsoft.com/office/powerpoint/2012/main">
         <p15:guide id="1" orient="horz" pos="2160">
           <p15:clr>
             <a:srgbClr val="FBAE40"/>
@@ -2699,7 +2710,7 @@
   <p:timing>
     <p:tnLst>
       <p:par>
-        <p:cTn xmlns:p14="http://schemas.microsoft.com/office/powerpoint/2010/main" id="1" dur="indefinite" restart="never" nodeType="tmRoot"/>
+        <p:cTn id="1" dur="indefinite" restart="never" nodeType="tmRoot"/>
       </p:par>
     </p:tnLst>
   </p:timing>
@@ -2858,7 +2869,7 @@
   <p:timing>
     <p:tnLst>
       <p:par>
-        <p:cTn xmlns:p14="http://schemas.microsoft.com/office/powerpoint/2010/main" id="1" dur="indefinite" restart="never" nodeType="tmRoot"/>
+        <p:cTn id="1" dur="indefinite" restart="never" nodeType="tmRoot"/>
       </p:par>
     </p:tnLst>
   </p:timing>
@@ -3098,7 +3109,7 @@
   <p:timing>
     <p:tnLst>
       <p:par>
-        <p:cTn xmlns:p14="http://schemas.microsoft.com/office/powerpoint/2010/main" id="1" dur="indefinite" restart="never" nodeType="tmRoot"/>
+        <p:cTn id="1" dur="indefinite" restart="never" nodeType="tmRoot"/>
       </p:par>
     </p:tnLst>
   </p:timing>
@@ -3490,7 +3501,7 @@
   <p:timing>
     <p:tnLst>
       <p:par>
-        <p:cTn xmlns:p14="http://schemas.microsoft.com/office/powerpoint/2010/main" id="1" dur="indefinite" restart="never" nodeType="tmRoot"/>
+        <p:cTn id="1" dur="indefinite" restart="never" nodeType="tmRoot"/>
       </p:par>
     </p:tnLst>
   </p:timing>
@@ -3550,7 +3561,7 @@
   <p:timing>
     <p:tnLst>
       <p:par>
-        <p:cTn xmlns:p14="http://schemas.microsoft.com/office/powerpoint/2010/main" id="1" dur="indefinite" restart="never" nodeType="tmRoot"/>
+        <p:cTn id="1" dur="indefinite" restart="never" nodeType="tmRoot"/>
       </p:par>
     </p:tnLst>
   </p:timing>
@@ -3587,7 +3598,7 @@
   <p:timing>
     <p:tnLst>
       <p:par>
-        <p:cTn xmlns:p14="http://schemas.microsoft.com/office/powerpoint/2010/main" id="1" dur="indefinite" restart="never" nodeType="tmRoot"/>
+        <p:cTn id="1" dur="indefinite" restart="never" nodeType="tmRoot"/>
       </p:par>
     </p:tnLst>
   </p:timing>
@@ -3798,7 +3809,7 @@
   <p:timing>
     <p:tnLst>
       <p:par>
-        <p:cTn xmlns:p14="http://schemas.microsoft.com/office/powerpoint/2010/main" id="1" dur="indefinite" restart="never" nodeType="tmRoot"/>
+        <p:cTn id="1" dur="indefinite" restart="never" nodeType="tmRoot"/>
       </p:par>
     </p:tnLst>
   </p:timing>
@@ -3882,7 +3893,7 @@
   <p:timing>
     <p:tnLst>
       <p:par>
-        <p:cTn xmlns:p14="http://schemas.microsoft.com/office/powerpoint/2010/main" id="1" dur="indefinite" restart="never" nodeType="tmRoot"/>
+        <p:cTn id="1" dur="indefinite" restart="never" nodeType="tmRoot"/>
       </p:par>
     </p:tnLst>
   </p:timing>
@@ -4190,11 +4201,7 @@
             <a:pPr marL="914400" indent="-914400"/>
             <a:r>
               <a:rPr lang="en-US" dirty="0" smtClean="0"/>
-              <a:t>06 </a:t>
-            </a:r>
-            <a:r>
-              <a:rPr lang="en-US" dirty="0" smtClean="0"/>
-              <a:t>| CSS Preprocessors</a:t>
+              <a:t>06 | CSS Preprocessors</a:t>
             </a:r>
             <a:endParaRPr lang="en-US" dirty="0"/>
           </a:p>
@@ -4241,7 +4248,7 @@
   <p:timing>
     <p:tnLst>
       <p:par>
-        <p:cTn xmlns:p14="http://schemas.microsoft.com/office/powerpoint/2010/main" id="1" dur="indefinite" restart="never" nodeType="tmRoot"/>
+        <p:cTn id="1" dur="indefinite" restart="never" nodeType="tmRoot"/>
       </p:par>
     </p:tnLst>
   </p:timing>
@@ -4301,7 +4308,7 @@
   <p:timing>
     <p:tnLst>
       <p:par>
-        <p:cTn xmlns:p14="http://schemas.microsoft.com/office/powerpoint/2010/main" id="1" dur="indefinite" restart="never" nodeType="tmRoot"/>
+        <p:cTn id="1" dur="indefinite" restart="never" nodeType="tmRoot"/>
       </p:par>
     </p:tnLst>
   </p:timing>
@@ -4363,15 +4370,19 @@
           <a:p>
             <a:r>
               <a:rPr lang="en-US" sz="2800" b="0" dirty="0" smtClean="0"/>
-              <a:t>Supported by Compass, a </a:t>
-            </a:r>
-            <a:r>
-              <a:rPr lang="en-US" sz="2800" b="0" dirty="0" err="1" smtClean="0"/>
-              <a:t>hugelt</a:t>
+              <a:t>Supported by Compass, </a:t>
+            </a:r>
+            <a:r>
+              <a:rPr lang="en-US" sz="2800" b="0" smtClean="0"/>
+              <a:t>a </a:t>
+            </a:r>
+            <a:r>
+              <a:rPr lang="en-US" sz="2800" b="0" smtClean="0"/>
+              <a:t>hugely </a:t>
             </a:r>
             <a:r>
               <a:rPr lang="en-US" sz="2800" b="0" dirty="0" smtClean="0"/>
-              <a:t> popular </a:t>
+              <a:t>popular </a:t>
             </a:r>
             <a:r>
               <a:rPr lang="en-US" sz="2800" b="0" dirty="0" err="1" smtClean="0"/>
@@ -4717,7 +4728,7 @@
   <p:timing>
     <p:tnLst>
       <p:par>
-        <p:cTn xmlns:p14="http://schemas.microsoft.com/office/powerpoint/2010/main" id="1" dur="indefinite" restart="never" nodeType="tmRoot"/>
+        <p:cTn id="1" dur="indefinite" restart="never" nodeType="tmRoot"/>
       </p:par>
     </p:tnLst>
   </p:timing>
@@ -4821,7 +4832,7 @@
   <p:timing>
     <p:tnLst>
       <p:par>
-        <p:cTn xmlns:p14="http://schemas.microsoft.com/office/powerpoint/2010/main" id="1" dur="indefinite" restart="never" nodeType="tmRoot"/>
+        <p:cTn id="1" dur="indefinite" restart="never" nodeType="tmRoot"/>
       </p:par>
     </p:tnLst>
   </p:timing>
@@ -4858,7 +4869,7 @@
   <p:timing>
     <p:tnLst>
       <p:par>
-        <p:cTn xmlns:p14="http://schemas.microsoft.com/office/powerpoint/2010/main" id="1" dur="indefinite" restart="never" nodeType="tmRoot"/>
+        <p:cTn id="1" dur="indefinite" restart="never" nodeType="tmRoot"/>
       </p:par>
     </p:tnLst>
   </p:timing>
@@ -4915,27 +4926,7 @@
           <a:p>
             <a:r>
               <a:rPr lang="en-GB" dirty="0" smtClean="0"/>
-              <a:t>The </a:t>
-            </a:r>
-            <a:r>
-              <a:rPr lang="en-GB" dirty="0" smtClean="0"/>
-              <a:t>Big </a:t>
-            </a:r>
-            <a:r>
-              <a:rPr lang="en-GB" dirty="0" smtClean="0"/>
-              <a:t>Three</a:t>
-            </a:r>
-            <a:r>
-              <a:rPr lang="en-GB" dirty="0" smtClean="0"/>
-              <a:t> </a:t>
-            </a:r>
-            <a:r>
-              <a:rPr lang="en-GB" dirty="0" smtClean="0"/>
-              <a:t>(LESS, SASS, Stylus</a:t>
-            </a:r>
-            <a:r>
-              <a:rPr lang="en-GB" dirty="0" smtClean="0"/>
-              <a:t>)</a:t>
+              <a:t>The Big Three (LESS, SASS, Stylus)</a:t>
             </a:r>
           </a:p>
           <a:p>
@@ -4955,7 +4946,6 @@
               <a:rPr lang="en-GB" dirty="0" smtClean="0"/>
               <a:t>Example Usage</a:t>
             </a:r>
-            <a:endParaRPr lang="en-GB" dirty="0" smtClean="0"/>
           </a:p>
         </p:txBody>
       </p:sp>
@@ -4995,7 +4985,7 @@
   <p:timing>
     <p:tnLst>
       <p:par>
-        <p:cTn xmlns:p14="http://schemas.microsoft.com/office/powerpoint/2010/main" id="1" dur="indefinite" restart="never" nodeType="tmRoot"/>
+        <p:cTn id="1" dur="indefinite" restart="never" nodeType="tmRoot"/>
       </p:par>
     </p:tnLst>
   </p:timing>
@@ -5074,7 +5064,7 @@
   <p:timing>
     <p:tnLst>
       <p:par>
-        <p:cTn xmlns:p14="http://schemas.microsoft.com/office/powerpoint/2010/main" id="1" dur="indefinite" restart="never" nodeType="tmRoot"/>
+        <p:cTn id="1" dur="indefinite" restart="never" nodeType="tmRoot"/>
       </p:par>
     </p:tnLst>
   </p:timing>
@@ -5168,7 +5158,7 @@
   <p:timing>
     <p:tnLst>
       <p:par>
-        <p:cTn xmlns:p14="http://schemas.microsoft.com/office/powerpoint/2010/main" id="1" dur="indefinite" restart="never" nodeType="tmRoot"/>
+        <p:cTn id="1" dur="indefinite" restart="never" nodeType="tmRoot"/>
       </p:par>
     </p:tnLst>
   </p:timing>
@@ -5271,7 +5261,7 @@
   <p:timing>
     <p:tnLst>
       <p:par>
-        <p:cTn xmlns:p14="http://schemas.microsoft.com/office/powerpoint/2010/main" id="1" dur="indefinite" restart="never" nodeType="tmRoot"/>
+        <p:cTn id="1" dur="indefinite" restart="never" nodeType="tmRoot"/>
       </p:par>
     </p:tnLst>
   </p:timing>
@@ -5374,7 +5364,7 @@
   <p:timing>
     <p:tnLst>
       <p:par>
-        <p:cTn xmlns:p14="http://schemas.microsoft.com/office/powerpoint/2010/main" id="1" dur="indefinite" restart="never" nodeType="tmRoot"/>
+        <p:cTn id="1" dur="indefinite" restart="never" nodeType="tmRoot"/>
       </p:par>
     </p:tnLst>
   </p:timing>
@@ -5453,7 +5443,7 @@
   <p:timing>
     <p:tnLst>
       <p:par>
-        <p:cTn xmlns:p14="http://schemas.microsoft.com/office/powerpoint/2010/main" id="1" dur="indefinite" restart="never" nodeType="tmRoot"/>
+        <p:cTn id="1" dur="indefinite" restart="never" nodeType="tmRoot"/>
       </p:par>
     </p:tnLst>
   </p:timing>
@@ -5585,7 +5575,7 @@
   <p:timing>
     <p:tnLst>
       <p:par>
-        <p:cTn xmlns:p14="http://schemas.microsoft.com/office/powerpoint/2010/main" id="1" dur="indefinite" restart="never" nodeType="tmRoot"/>
+        <p:cTn id="1" dur="indefinite" restart="never" nodeType="tmRoot"/>
       </p:par>
     </p:tnLst>
   </p:timing>
@@ -5967,7 +5957,7 @@
   <p:timing>
     <p:tnLst>
       <p:par>
-        <p:cTn xmlns:p14="http://schemas.microsoft.com/office/powerpoint/2010/main" id="1" dur="indefinite" restart="never" nodeType="tmRoot"/>
+        <p:cTn id="1" dur="indefinite" restart="never" nodeType="tmRoot"/>
       </p:par>
     </p:tnLst>
   </p:timing>
@@ -6514,7 +6504,7 @@
   <a:extraClrSchemeLst/>
   <a:extLst>
     <a:ext uri="{05A4C25C-085E-4340-85A3-A5531E510DB2}">
-      <thm15:themeFamily xmlns:thm15="http://schemas.microsoft.com/office/thememl/2012/main" xmlns="" name="Office Theme" id="{62F939B6-93AF-4DB8-9C6B-D6C7DFDC589F}" vid="{4A3C46E8-61CC-4603-A589-7422A47A8E4A}"/>
+      <thm15:themeFamily xmlns:thm15="http://schemas.microsoft.com/office/thememl/2012/main" name="Office Theme" id="{62F939B6-93AF-4DB8-9C6B-D6C7DFDC589F}" vid="{4A3C46E8-61CC-4603-A589-7422A47A8E4A}"/>
     </a:ext>
   </a:extLst>
 </a:theme>
@@ -6775,13 +6765,28 @@
   <a:extraClrSchemeLst/>
   <a:extLst>
     <a:ext uri="{05A4C25C-085E-4340-85A3-A5531E510DB2}">
-      <thm15:themeFamily xmlns:thm15="http://schemas.microsoft.com/office/thememl/2012/main" xmlns="" name="Office Theme" id="{62F939B6-93AF-4DB8-9C6B-D6C7DFDC589F}" vid="{4A3C46E8-61CC-4603-A589-7422A47A8E4A}"/>
+      <thm15:themeFamily xmlns:thm15="http://schemas.microsoft.com/office/thememl/2012/main" name="Office Theme" id="{62F939B6-93AF-4DB8-9C6B-D6C7DFDC589F}" vid="{4A3C46E8-61CC-4603-A589-7422A47A8E4A}"/>
     </a:ext>
   </a:extLst>
 </a:theme>
 </file>
 
 <file path=customXml/item1.xml><?xml version="1.0" encoding="utf-8"?>
+<p:properties xmlns:p="http://schemas.microsoft.com/office/2006/metadata/properties" xmlns:xsi="http://www.w3.org/2001/XMLSchema-instance" xmlns:pc="http://schemas.microsoft.com/office/infopath/2007/PartnerControls">
+  <documentManagement/>
+</p:properties>
+</file>
+
+<file path=customXml/item2.xml><?xml version="1.0" encoding="utf-8"?>
+<?mso-contentType ?>
+<FormTemplates xmlns="http://schemas.microsoft.com/sharepoint/v3/contenttype/forms">
+  <Display>DocumentLibraryForm</Display>
+  <Edit>DocumentLibraryForm</Edit>
+  <New>DocumentLibraryForm</New>
+</FormTemplates>
+</file>
+
+<file path=customXml/item3.xml><?xml version="1.0" encoding="utf-8"?>
 <ct:contentTypeSchema xmlns:ct="http://schemas.microsoft.com/office/2006/metadata/contentType" xmlns:ma="http://schemas.microsoft.com/office/2006/metadata/properties/metaAttributes" ct:_="" ma:_="" ma:contentTypeName="Document" ma:contentTypeID="0x0101003950112AD8B795438BF76DC29E37E368" ma:contentTypeVersion="1" ma:contentTypeDescription="Create a new document." ma:contentTypeScope="" ma:versionID="ab64a1350ae4601b1700e84aab503654">
   <xsd:schema xmlns:xsd="http://www.w3.org/2001/XMLSchema" xmlns:xs="http://www.w3.org/2001/XMLSchema" xmlns:p="http://schemas.microsoft.com/office/2006/metadata/properties" xmlns:ns3="40f62f3d-88fb-416f-8aeb-e1a0b982e955" targetNamespace="http://schemas.microsoft.com/office/2006/metadata/properties" ma:root="true" ma:fieldsID="f35b2b2bf5bbfa784ec62d29f705a4d5" ns3:_="">
     <xsd:import namespace="40f62f3d-88fb-416f-8aeb-e1a0b982e955"/>
@@ -6921,22 +6926,31 @@
 </ct:contentTypeSchema>
 </file>
 
-<file path=customXml/item2.xml><?xml version="1.0" encoding="utf-8"?>
-<?mso-contentType ?>
-<FormTemplates xmlns="http://schemas.microsoft.com/sharepoint/v3/contenttype/forms">
-  <Display>DocumentLibraryForm</Display>
-  <Edit>DocumentLibraryForm</Edit>
-  <New>DocumentLibraryForm</New>
-</FormTemplates>
+<file path=customXml/itemProps1.xml><?xml version="1.0" encoding="utf-8"?>
+<ds:datastoreItem xmlns:ds="http://schemas.openxmlformats.org/officeDocument/2006/customXml" ds:itemID="{7025FDD9-4C58-4084-9F89-0E6ADD6FFF55}">
+  <ds:schemaRefs>
+    <ds:schemaRef ds:uri="40f62f3d-88fb-416f-8aeb-e1a0b982e955"/>
+    <ds:schemaRef ds:uri="http://purl.org/dc/terms/"/>
+    <ds:schemaRef ds:uri="http://schemas.microsoft.com/office/2006/documentManagement/types"/>
+    <ds:schemaRef ds:uri="http://schemas.microsoft.com/office/infopath/2007/PartnerControls"/>
+    <ds:schemaRef ds:uri="http://purl.org/dc/elements/1.1/"/>
+    <ds:schemaRef ds:uri="http://schemas.microsoft.com/office/2006/metadata/properties"/>
+    <ds:schemaRef ds:uri="http://schemas.openxmlformats.org/package/2006/metadata/core-properties"/>
+    <ds:schemaRef ds:uri="http://www.w3.org/XML/1998/namespace"/>
+    <ds:schemaRef ds:uri="http://purl.org/dc/dcmitype/"/>
+  </ds:schemaRefs>
+</ds:datastoreItem>
 </file>
 
-<file path=customXml/item3.xml><?xml version="1.0" encoding="utf-8"?>
-<p:properties xmlns:p="http://schemas.microsoft.com/office/2006/metadata/properties" xmlns:xsi="http://www.w3.org/2001/XMLSchema-instance" xmlns:pc="http://schemas.microsoft.com/office/infopath/2007/PartnerControls">
-  <documentManagement/>
-</p:properties>
+<file path=customXml/itemProps2.xml><?xml version="1.0" encoding="utf-8"?>
+<ds:datastoreItem xmlns:ds="http://schemas.openxmlformats.org/officeDocument/2006/customXml" ds:itemID="{B0CA13EC-1D3C-4D6F-8D1C-E8A452CFC79A}">
+  <ds:schemaRefs>
+    <ds:schemaRef ds:uri="http://schemas.microsoft.com/sharepoint/v3/contenttype/forms"/>
+  </ds:schemaRefs>
+</ds:datastoreItem>
 </file>
 
-<file path=customXml/itemProps1.xml><?xml version="1.0" encoding="utf-8"?>
+<file path=customXml/itemProps3.xml><?xml version="1.0" encoding="utf-8"?>
 <ds:datastoreItem xmlns:ds="http://schemas.openxmlformats.org/officeDocument/2006/customXml" ds:itemID="{B3568497-C095-4F98-82BE-21A944C27C1E}">
   <ds:schemaRefs>
     <ds:schemaRef ds:uri="http://schemas.microsoft.com/office/2006/metadata/contentType"/>
@@ -6952,28 +6966,4 @@
     <ds:schemaRef ds:uri="http://schemas.microsoft.com/internal/obd"/>
   </ds:schemaRefs>
 </ds:datastoreItem>
-</file>
-
-<file path=customXml/itemProps2.xml><?xml version="1.0" encoding="utf-8"?>
-<ds:datastoreItem xmlns:ds="http://schemas.openxmlformats.org/officeDocument/2006/customXml" ds:itemID="{B0CA13EC-1D3C-4D6F-8D1C-E8A452CFC79A}">
-  <ds:schemaRefs>
-    <ds:schemaRef ds:uri="http://schemas.microsoft.com/sharepoint/v3/contenttype/forms"/>
-  </ds:schemaRefs>
-</ds:datastoreItem>
-</file>
-
-<file path=customXml/itemProps3.xml><?xml version="1.0" encoding="utf-8"?>
-<ds:datastoreItem xmlns:ds="http://schemas.openxmlformats.org/officeDocument/2006/customXml" ds:itemID="{7025FDD9-4C58-4084-9F89-0E6ADD6FFF55}">
-  <ds:schemaRefs>
-    <ds:schemaRef ds:uri="40f62f3d-88fb-416f-8aeb-e1a0b982e955"/>
-    <ds:schemaRef ds:uri="http://purl.org/dc/terms/"/>
-    <ds:schemaRef ds:uri="http://schemas.microsoft.com/office/2006/documentManagement/types"/>
-    <ds:schemaRef ds:uri="http://schemas.microsoft.com/office/infopath/2007/PartnerControls"/>
-    <ds:schemaRef ds:uri="http://purl.org/dc/elements/1.1/"/>
-    <ds:schemaRef ds:uri="http://schemas.microsoft.com/office/2006/metadata/properties"/>
-    <ds:schemaRef ds:uri="http://schemas.openxmlformats.org/package/2006/metadata/core-properties"/>
-    <ds:schemaRef ds:uri="http://www.w3.org/XML/1998/namespace"/>
-    <ds:schemaRef ds:uri="http://purl.org/dc/dcmitype/"/>
-  </ds:schemaRefs>
-</ds:datastoreItem>
 </file>
--- a/Slides/Module 6.pptx
+++ b/Slides/Module 6.pptx
@@ -4370,14 +4370,10 @@
           <a:p>
             <a:r>
               <a:rPr lang="en-US" sz="2800" b="0" dirty="0" smtClean="0"/>
-              <a:t>Supported by Compass, </a:t>
-            </a:r>
-            <a:r>
-              <a:rPr lang="en-US" sz="2800" b="0" smtClean="0"/>
-              <a:t>a </a:t>
-            </a:r>
-            <a:r>
-              <a:rPr lang="en-US" sz="2800" b="0" smtClean="0"/>
+              <a:t>Supported by Compass, a </a:t>
+            </a:r>
+            <a:r>
+              <a:rPr lang="en-US" sz="2800" b="0" dirty="0" smtClean="0"/>
               <a:t>hugely </a:t>
             </a:r>
             <a:r>
@@ -4601,7 +4597,11 @@
           <a:p>
             <a:r>
               <a:rPr lang="en-US" sz="2800" b="0" dirty="0" smtClean="0"/>
-              <a:t>Conservative but wise about features</a:t>
+              <a:t>Conservative (but wise) </a:t>
+            </a:r>
+            <a:r>
+              <a:rPr lang="en-US" sz="2800" b="0" dirty="0" smtClean="0"/>
+              <a:t>about features</a:t>
             </a:r>
           </a:p>
           <a:p>

--- a/Slides/Module 6.pptx
+++ b/Slides/Module 6.pptx
@@ -15,13 +15,13 @@
     <p:sldId id="278" r:id="rId6"/>
     <p:sldId id="284" r:id="rId7"/>
     <p:sldId id="286" r:id="rId8"/>
-    <p:sldId id="306" r:id="rId9"/>
-    <p:sldId id="307" r:id="rId10"/>
-    <p:sldId id="288" r:id="rId11"/>
-    <p:sldId id="311" r:id="rId12"/>
-    <p:sldId id="315" r:id="rId13"/>
-    <p:sldId id="320" r:id="rId14"/>
-    <p:sldId id="317" r:id="rId15"/>
+    <p:sldId id="307" r:id="rId9"/>
+    <p:sldId id="288" r:id="rId10"/>
+    <p:sldId id="311" r:id="rId11"/>
+    <p:sldId id="315" r:id="rId12"/>
+    <p:sldId id="320" r:id="rId13"/>
+    <p:sldId id="317" r:id="rId14"/>
+    <p:sldId id="321" r:id="rId15"/>
     <p:sldId id="319" r:id="rId16"/>
     <p:sldId id="316" r:id="rId17"/>
   </p:sldIdLst>
@@ -999,7 +999,7 @@
     </p:spTree>
     <p:extLst>
       <p:ext uri="{BB962C8B-B14F-4D97-AF65-F5344CB8AC3E}">
-        <p14:creationId xmlns:p14="http://schemas.microsoft.com/office/powerpoint/2010/main" val="2633895063"/>
+        <p14:creationId xmlns:p14="http://schemas.microsoft.com/office/powerpoint/2010/main" val="120450649"/>
       </p:ext>
     </p:extLst>
   </p:cSld>
@@ -1074,7 +1074,7 @@
           <a:p>
             <a:fld id="{4CFD207A-07DF-40AD-A916-9872E089CE7A}" type="slidenum">
               <a:rPr lang="en-US" smtClean="0"/>
-              <a:t>6</a:t>
+              <a:t>7</a:t>
             </a:fld>
             <a:endParaRPr lang="en-US"/>
           </a:p>
@@ -1083,7 +1083,7 @@
     </p:spTree>
     <p:extLst>
       <p:ext uri="{BB962C8B-B14F-4D97-AF65-F5344CB8AC3E}">
-        <p14:creationId xmlns:p14="http://schemas.microsoft.com/office/powerpoint/2010/main" val="120450649"/>
+        <p14:creationId xmlns:p14="http://schemas.microsoft.com/office/powerpoint/2010/main" val="3024892546"/>
       </p:ext>
     </p:extLst>
   </p:cSld>
@@ -1242,7 +1242,7 @@
           <a:p>
             <a:fld id="{4CFD207A-07DF-40AD-A916-9872E089CE7A}" type="slidenum">
               <a:rPr lang="en-US" smtClean="0"/>
-              <a:t>9</a:t>
+              <a:t>10</a:t>
             </a:fld>
             <a:endParaRPr lang="en-US"/>
           </a:p>
@@ -1251,7 +1251,7 @@
     </p:spTree>
     <p:extLst>
       <p:ext uri="{BB962C8B-B14F-4D97-AF65-F5344CB8AC3E}">
-        <p14:creationId xmlns:p14="http://schemas.microsoft.com/office/powerpoint/2010/main" val="3024892546"/>
+        <p14:creationId xmlns:p14="http://schemas.microsoft.com/office/powerpoint/2010/main" val="2620509886"/>
       </p:ext>
     </p:extLst>
   </p:cSld>
@@ -1335,7 +1335,7 @@
     </p:spTree>
     <p:extLst>
       <p:ext uri="{BB962C8B-B14F-4D97-AF65-F5344CB8AC3E}">
-        <p14:creationId xmlns:p14="http://schemas.microsoft.com/office/powerpoint/2010/main" val="2620509886"/>
+        <p14:creationId xmlns:p14="http://schemas.microsoft.com/office/powerpoint/2010/main" val="4206895032"/>
       </p:ext>
     </p:extLst>
   </p:cSld>
@@ -4274,66 +4274,6 @@
       </p:grpSpPr>
       <p:sp>
         <p:nvSpPr>
-          <p:cNvPr id="4" name="Title 3"/>
-          <p:cNvSpPr>
-            <a:spLocks noGrp="1"/>
-          </p:cNvSpPr>
-          <p:nvPr>
-            <p:ph type="title"/>
-          </p:nvPr>
-        </p:nvSpPr>
-        <p:spPr/>
-        <p:txBody>
-          <a:bodyPr/>
-          <a:lstStyle/>
-          <a:p>
-            <a:r>
-              <a:rPr lang="en-US" dirty="0" smtClean="0"/>
-              <a:t>Preprocessor Differences</a:t>
-            </a:r>
-            <a:endParaRPr lang="en-US" dirty="0"/>
-          </a:p>
-        </p:txBody>
-      </p:sp>
-    </p:spTree>
-    <p:extLst>
-      <p:ext uri="{BB962C8B-B14F-4D97-AF65-F5344CB8AC3E}">
-        <p14:creationId xmlns:p14="http://schemas.microsoft.com/office/powerpoint/2010/main" val="4090610172"/>
-      </p:ext>
-    </p:extLst>
-  </p:cSld>
-  <p:clrMapOvr>
-    <a:masterClrMapping/>
-  </p:clrMapOvr>
-  <p:timing>
-    <p:tnLst>
-      <p:par>
-        <p:cTn id="1" dur="indefinite" restart="never" nodeType="tmRoot"/>
-      </p:par>
-    </p:tnLst>
-  </p:timing>
-</p:sld>
-</file>
-
-<file path=ppt/slides/slide11.xml><?xml version="1.0" encoding="utf-8"?>
-<p:sld xmlns:a="http://schemas.openxmlformats.org/drawingml/2006/main" xmlns:r="http://schemas.openxmlformats.org/officeDocument/2006/relationships" xmlns:p="http://schemas.openxmlformats.org/presentationml/2006/main">
-  <p:cSld>
-    <p:spTree>
-      <p:nvGrpSpPr>
-        <p:cNvPr id="1" name=""/>
-        <p:cNvGrpSpPr/>
-        <p:nvPr/>
-      </p:nvGrpSpPr>
-      <p:grpSpPr>
-        <a:xfrm>
-          <a:off x="0" y="0"/>
-          <a:ext cx="0" cy="0"/>
-          <a:chOff x="0" y="0"/>
-          <a:chExt cx="0" cy="0"/>
-        </a:xfrm>
-      </p:grpSpPr>
-      <p:sp>
-        <p:nvSpPr>
           <p:cNvPr id="3" name="Content Placeholder 2"/>
           <p:cNvSpPr>
             <a:spLocks noGrp="1"/>
@@ -4370,15 +4310,7 @@
           <a:p>
             <a:r>
               <a:rPr lang="en-US" sz="2800" b="0" dirty="0" smtClean="0"/>
-              <a:t>Supported by Compass, a </a:t>
-            </a:r>
-            <a:r>
-              <a:rPr lang="en-US" sz="2800" b="0" dirty="0" smtClean="0"/>
-              <a:t>hugely </a:t>
-            </a:r>
-            <a:r>
-              <a:rPr lang="en-US" sz="2800" b="0" dirty="0" smtClean="0"/>
-              <a:t>popular </a:t>
+              <a:t>Supported by Compass, a hugely popular </a:t>
             </a:r>
             <a:r>
               <a:rPr lang="en-US" sz="2800" b="0" dirty="0" err="1" smtClean="0"/>
@@ -4597,11 +4529,7 @@
           <a:p>
             <a:r>
               <a:rPr lang="en-US" sz="2800" b="0" dirty="0" smtClean="0"/>
-              <a:t>Conservative (but wise) </a:t>
-            </a:r>
-            <a:r>
-              <a:rPr lang="en-US" sz="2800" b="0" dirty="0" smtClean="0"/>
-              <a:t>about features</a:t>
+              <a:t>Conservative (but wise) about features</a:t>
             </a:r>
           </a:p>
           <a:p>
@@ -4719,6 +4647,328 @@
     <p:extLst>
       <p:ext uri="{BB962C8B-B14F-4D97-AF65-F5344CB8AC3E}">
         <p14:creationId xmlns:p14="http://schemas.microsoft.com/office/powerpoint/2010/main" val="259925683"/>
+      </p:ext>
+    </p:extLst>
+  </p:cSld>
+  <p:clrMapOvr>
+    <a:masterClrMapping/>
+  </p:clrMapOvr>
+  <p:timing>
+    <p:tnLst>
+      <p:par>
+        <p:cTn id="1" dur="indefinite" restart="never" nodeType="tmRoot"/>
+      </p:par>
+    </p:tnLst>
+  </p:timing>
+</p:sld>
+</file>
+
+<file path=ppt/slides/slide11.xml><?xml version="1.0" encoding="utf-8"?>
+<p:sld xmlns:a="http://schemas.openxmlformats.org/drawingml/2006/main" xmlns:r="http://schemas.openxmlformats.org/officeDocument/2006/relationships" xmlns:p="http://schemas.openxmlformats.org/presentationml/2006/main">
+  <p:cSld>
+    <p:spTree>
+      <p:nvGrpSpPr>
+        <p:cNvPr id="1" name=""/>
+        <p:cNvGrpSpPr/>
+        <p:nvPr/>
+      </p:nvGrpSpPr>
+      <p:grpSpPr>
+        <a:xfrm>
+          <a:off x="0" y="0"/>
+          <a:ext cx="0" cy="0"/>
+          <a:chOff x="0" y="0"/>
+          <a:chExt cx="0" cy="0"/>
+        </a:xfrm>
+      </p:grpSpPr>
+      <p:sp>
+        <p:nvSpPr>
+          <p:cNvPr id="2" name="Title 1"/>
+          <p:cNvSpPr>
+            <a:spLocks noGrp="1"/>
+          </p:cNvSpPr>
+          <p:nvPr>
+            <p:ph type="title"/>
+          </p:nvPr>
+        </p:nvSpPr>
+        <p:spPr/>
+        <p:txBody>
+          <a:bodyPr/>
+          <a:lstStyle/>
+          <a:p>
+            <a:r>
+              <a:rPr lang="en-US" dirty="0" smtClean="0"/>
+              <a:t>Control Directives Example</a:t>
+            </a:r>
+            <a:endParaRPr lang="en-US" dirty="0"/>
+          </a:p>
+        </p:txBody>
+      </p:sp>
+      <p:sp>
+        <p:nvSpPr>
+          <p:cNvPr id="5" name="Content Placeholder 2"/>
+          <p:cNvSpPr txBox="1">
+            <a:spLocks/>
+          </p:cNvSpPr>
+          <p:nvPr/>
+        </p:nvSpPr>
+        <p:spPr>
+          <a:xfrm>
+            <a:off x="531912" y="1302285"/>
+            <a:ext cx="10258008" cy="5046264"/>
+          </a:xfrm>
+          <a:prstGeom prst="rect">
+            <a:avLst/>
+          </a:prstGeom>
+        </p:spPr>
+        <p:txBody>
+          <a:bodyPr>
+            <a:noAutofit/>
+          </a:bodyPr>
+          <a:lstStyle>
+            <a:lvl1pPr marL="342783" indent="-342783" algn="l" defTabSz="914088" rtl="0" eaLnBrk="1" latinLnBrk="0" hangingPunct="1">
+              <a:spcBef>
+                <a:spcPts val="1200"/>
+              </a:spcBef>
+              <a:buFont typeface="Arial" pitchFamily="34" charset="0"/>
+              <a:buChar char="•"/>
+              <a:defRPr sz="3200" b="1" kern="0" baseline="0">
+                <a:solidFill>
+                  <a:schemeClr val="tx1"/>
+                </a:solidFill>
+                <a:latin typeface="Segoe UI Light" panose="020B0502040204020203" pitchFamily="34" charset="0"/>
+                <a:ea typeface="Segoe UI Light" panose="020B0502040204020203" pitchFamily="34" charset="0"/>
+                <a:cs typeface="Segoe UI Light" panose="020B0502040204020203" pitchFamily="34" charset="0"/>
+              </a:defRPr>
+            </a:lvl1pPr>
+            <a:lvl2pPr marL="742698" indent="-285652" algn="l" defTabSz="914088" rtl="0" eaLnBrk="1" latinLnBrk="0" hangingPunct="1">
+              <a:spcBef>
+                <a:spcPts val="300"/>
+              </a:spcBef>
+              <a:spcAft>
+                <a:spcPts val="300"/>
+              </a:spcAft>
+              <a:buFont typeface="Arial" pitchFamily="34" charset="0"/>
+              <a:buChar char="–"/>
+              <a:defRPr sz="2800" kern="0" baseline="0">
+                <a:solidFill>
+                  <a:schemeClr val="tx1"/>
+                </a:solidFill>
+                <a:latin typeface="Segoe UI Light" panose="020B0502040204020203" pitchFamily="34" charset="0"/>
+                <a:ea typeface="Segoe UI Light" panose="020B0502040204020203" pitchFamily="34" charset="0"/>
+                <a:cs typeface="Segoe UI Light" panose="020B0502040204020203" pitchFamily="34" charset="0"/>
+              </a:defRPr>
+            </a:lvl2pPr>
+            <a:lvl3pPr marL="1142612" indent="-228522" algn="l" defTabSz="914088" rtl="0" eaLnBrk="1" latinLnBrk="0" hangingPunct="1">
+              <a:spcBef>
+                <a:spcPts val="200"/>
+              </a:spcBef>
+              <a:spcAft>
+                <a:spcPts val="200"/>
+              </a:spcAft>
+              <a:buFont typeface="Arial" pitchFamily="34" charset="0"/>
+              <a:buChar char="•"/>
+              <a:defRPr sz="2400" kern="0" baseline="0">
+                <a:solidFill>
+                  <a:schemeClr val="tx1"/>
+                </a:solidFill>
+                <a:latin typeface="Segoe UI Light" panose="020B0502040204020203" pitchFamily="34" charset="0"/>
+                <a:ea typeface="Segoe UI Light" panose="020B0502040204020203" pitchFamily="34" charset="0"/>
+                <a:cs typeface="Segoe UI Light" panose="020B0502040204020203" pitchFamily="34" charset="0"/>
+              </a:defRPr>
+            </a:lvl3pPr>
+            <a:lvl4pPr marL="1599657" indent="-228522" algn="l" defTabSz="914088" rtl="0" eaLnBrk="1" latinLnBrk="0" hangingPunct="1">
+              <a:spcBef>
+                <a:spcPct val="20000"/>
+              </a:spcBef>
+              <a:buFont typeface="Arial" pitchFamily="34" charset="0"/>
+              <a:buChar char="–"/>
+              <a:defRPr sz="2000" kern="0" baseline="0">
+                <a:solidFill>
+                  <a:schemeClr val="tx1"/>
+                </a:solidFill>
+                <a:latin typeface="Segoe UI Light" panose="020B0502040204020203" pitchFamily="34" charset="0"/>
+                <a:ea typeface="Segoe UI Light" panose="020B0502040204020203" pitchFamily="34" charset="0"/>
+                <a:cs typeface="Segoe UI Light" panose="020B0502040204020203" pitchFamily="34" charset="0"/>
+              </a:defRPr>
+            </a:lvl4pPr>
+            <a:lvl5pPr marL="2056700" indent="-228522" algn="l" defTabSz="914088" rtl="0" eaLnBrk="1" latinLnBrk="0" hangingPunct="1">
+              <a:spcBef>
+                <a:spcPct val="20000"/>
+              </a:spcBef>
+              <a:buFont typeface="Arial" pitchFamily="34" charset="0"/>
+              <a:buChar char="»"/>
+              <a:defRPr sz="2000" kern="0" baseline="0">
+                <a:solidFill>
+                  <a:schemeClr val="tx1"/>
+                </a:solidFill>
+                <a:latin typeface="Segoe UI Light" panose="020B0502040204020203" pitchFamily="34" charset="0"/>
+                <a:ea typeface="Segoe UI Light" panose="020B0502040204020203" pitchFamily="34" charset="0"/>
+                <a:cs typeface="Segoe UI Light" panose="020B0502040204020203" pitchFamily="34" charset="0"/>
+              </a:defRPr>
+            </a:lvl5pPr>
+            <a:lvl6pPr marL="2513745" indent="-228522" algn="l" defTabSz="914088" rtl="0" eaLnBrk="1" latinLnBrk="0" hangingPunct="1">
+              <a:spcBef>
+                <a:spcPct val="20000"/>
+              </a:spcBef>
+              <a:buFont typeface="Arial" pitchFamily="34" charset="0"/>
+              <a:buChar char="•"/>
+              <a:defRPr sz="1600" kern="1200">
+                <a:solidFill>
+                  <a:schemeClr val="tx1"/>
+                </a:solidFill>
+                <a:latin typeface="+mn-lt"/>
+                <a:ea typeface="+mn-ea"/>
+                <a:cs typeface="+mn-cs"/>
+              </a:defRPr>
+            </a:lvl6pPr>
+            <a:lvl7pPr marL="2970789" indent="-228522" algn="l" defTabSz="914088" rtl="0" eaLnBrk="1" latinLnBrk="0" hangingPunct="1">
+              <a:spcBef>
+                <a:spcPct val="20000"/>
+              </a:spcBef>
+              <a:buFont typeface="Arial" pitchFamily="34" charset="0"/>
+              <a:buChar char="•"/>
+              <a:defRPr sz="1600" kern="1200">
+                <a:solidFill>
+                  <a:schemeClr val="tx1"/>
+                </a:solidFill>
+                <a:latin typeface="+mn-lt"/>
+                <a:ea typeface="+mn-ea"/>
+                <a:cs typeface="+mn-cs"/>
+              </a:defRPr>
+            </a:lvl7pPr>
+            <a:lvl8pPr marL="3427833" indent="-228522" algn="l" defTabSz="914088" rtl="0" eaLnBrk="1" latinLnBrk="0" hangingPunct="1">
+              <a:spcBef>
+                <a:spcPct val="20000"/>
+              </a:spcBef>
+              <a:buFont typeface="Arial" pitchFamily="34" charset="0"/>
+              <a:buChar char="•"/>
+              <a:defRPr sz="1600" kern="1200">
+                <a:solidFill>
+                  <a:schemeClr val="tx1"/>
+                </a:solidFill>
+                <a:latin typeface="+mn-lt"/>
+                <a:ea typeface="+mn-ea"/>
+                <a:cs typeface="+mn-cs"/>
+              </a:defRPr>
+            </a:lvl8pPr>
+            <a:lvl9pPr marL="3884878" indent="-228522" algn="l" defTabSz="914088" rtl="0" eaLnBrk="1" latinLnBrk="0" hangingPunct="1">
+              <a:spcBef>
+                <a:spcPct val="20000"/>
+              </a:spcBef>
+              <a:buFont typeface="Arial" pitchFamily="34" charset="0"/>
+              <a:buChar char="•"/>
+              <a:defRPr sz="1600" kern="1200">
+                <a:solidFill>
+                  <a:schemeClr val="tx1"/>
+                </a:solidFill>
+                <a:latin typeface="+mn-lt"/>
+                <a:ea typeface="+mn-ea"/>
+                <a:cs typeface="+mn-cs"/>
+              </a:defRPr>
+            </a:lvl9pPr>
+          </a:lstStyle>
+          <a:p>
+            <a:pPr marL="0" indent="0">
+              <a:buNone/>
+            </a:pPr>
+            <a:r>
+              <a:rPr lang="en-US" dirty="0" smtClean="0"/>
+              <a:t>SASS</a:t>
+            </a:r>
+          </a:p>
+          <a:p>
+            <a:pPr marL="799829" lvl="2" indent="0">
+              <a:buNone/>
+            </a:pPr>
+            <a:r>
+              <a:rPr lang="en-US" sz="2000" dirty="0"/>
+              <a:t>p { </a:t>
+            </a:r>
+            <a:endParaRPr lang="en-US" sz="2000" dirty="0" smtClean="0"/>
+          </a:p>
+          <a:p>
+            <a:pPr marL="1256874" lvl="3" indent="0">
+              <a:buNone/>
+            </a:pPr>
+            <a:r>
+              <a:rPr lang="en-US" dirty="0" smtClean="0"/>
+              <a:t>@</a:t>
+            </a:r>
+            <a:r>
+              <a:rPr lang="en-US" dirty="0"/>
+              <a:t>if 1 + 1 == 2 { </a:t>
+            </a:r>
+            <a:r>
+              <a:rPr lang="en-US" dirty="0" smtClean="0"/>
+              <a:t>font-size: 1px; </a:t>
+            </a:r>
+            <a:r>
+              <a:rPr lang="en-US" dirty="0"/>
+              <a:t>} </a:t>
+            </a:r>
+            <a:endParaRPr lang="en-US" dirty="0" smtClean="0"/>
+          </a:p>
+          <a:p>
+            <a:pPr marL="1256874" lvl="3" indent="0">
+              <a:buNone/>
+            </a:pPr>
+            <a:r>
+              <a:rPr lang="en-US" dirty="0" smtClean="0"/>
+              <a:t>@</a:t>
+            </a:r>
+            <a:r>
+              <a:rPr lang="en-US" dirty="0"/>
+              <a:t>if 2</a:t>
+            </a:r>
+            <a:r>
+              <a:rPr lang="en-US" dirty="0" smtClean="0"/>
+              <a:t> </a:t>
+            </a:r>
+            <a:r>
+              <a:rPr lang="en-US" dirty="0"/>
+              <a:t>&lt; 1</a:t>
+            </a:r>
+            <a:r>
+              <a:rPr lang="en-US" dirty="0" smtClean="0"/>
+              <a:t> { color: red; } </a:t>
+            </a:r>
+          </a:p>
+          <a:p>
+            <a:pPr marL="799829" lvl="2" indent="0">
+              <a:buNone/>
+            </a:pPr>
+            <a:r>
+              <a:rPr lang="en-US" sz="2000" dirty="0" smtClean="0"/>
+              <a:t>}</a:t>
+            </a:r>
+          </a:p>
+          <a:p>
+            <a:pPr marL="799829" lvl="2" indent="0">
+              <a:buNone/>
+            </a:pPr>
+            <a:endParaRPr lang="en-US" sz="2000" dirty="0"/>
+          </a:p>
+          <a:p>
+            <a:pPr marL="0" indent="0">
+              <a:buNone/>
+            </a:pPr>
+            <a:endParaRPr lang="en-US" dirty="0" smtClean="0"/>
+          </a:p>
+          <a:p>
+            <a:endParaRPr lang="en-US" dirty="0" smtClean="0"/>
+          </a:p>
+          <a:p>
+            <a:endParaRPr lang="en-US" dirty="0" smtClean="0"/>
+          </a:p>
+          <a:p>
+            <a:endParaRPr lang="en-US" dirty="0"/>
+          </a:p>
+        </p:txBody>
+      </p:sp>
+    </p:spTree>
+    <p:extLst>
+      <p:ext uri="{BB962C8B-B14F-4D97-AF65-F5344CB8AC3E}">
+        <p14:creationId xmlns:p14="http://schemas.microsoft.com/office/powerpoint/2010/main" val="708819865"/>
       </p:ext>
     </p:extLst>
   </p:cSld>
@@ -4932,20 +5182,15 @@
           <a:p>
             <a:r>
               <a:rPr lang="en-GB" dirty="0" smtClean="0"/>
-              <a:t>Practical Differences</a:t>
+              <a:t>Example Usage</a:t>
             </a:r>
           </a:p>
           <a:p>
             <a:r>
               <a:rPr lang="en-GB" dirty="0" smtClean="0"/>
-              <a:t>General Differences</a:t>
-            </a:r>
-          </a:p>
-          <a:p>
-            <a:r>
-              <a:rPr lang="en-GB" dirty="0" smtClean="0"/>
-              <a:t>Example Usage</a:t>
-            </a:r>
+              <a:t>Which one should I use?</a:t>
+            </a:r>
+            <a:endParaRPr lang="en-GB" dirty="0" smtClean="0"/>
           </a:p>
         </p:txBody>
       </p:sp>
@@ -5128,13 +5373,68 @@
           <a:p>
             <a:r>
               <a:rPr lang="en-US" dirty="0" smtClean="0"/>
-              <a:t>Extends vanilla CSS with extra features</a:t>
-            </a:r>
-          </a:p>
-          <a:p>
-            <a:r>
-              <a:rPr lang="en-US" dirty="0" smtClean="0"/>
-              <a:t>Compiles into standard CSS</a:t>
+              <a:t>Extends vanilla CSS with extra </a:t>
+            </a:r>
+            <a:r>
+              <a:rPr lang="en-US" dirty="0" smtClean="0"/>
+              <a:t>features</a:t>
+            </a:r>
+          </a:p>
+          <a:p>
+            <a:pPr lvl="1"/>
+            <a:r>
+              <a:rPr lang="en-US" dirty="0" smtClean="0"/>
+              <a:t>Variables</a:t>
+            </a:r>
+          </a:p>
+          <a:p>
+            <a:pPr lvl="1"/>
+            <a:r>
+              <a:rPr lang="en-US" dirty="0" smtClean="0"/>
+              <a:t>Nesting Selectors</a:t>
+            </a:r>
+          </a:p>
+          <a:p>
+            <a:pPr lvl="1"/>
+            <a:r>
+              <a:rPr lang="en-US" dirty="0" smtClean="0"/>
+              <a:t>Referencing a parent element</a:t>
+            </a:r>
+          </a:p>
+          <a:p>
+            <a:pPr lvl="1"/>
+            <a:r>
+              <a:rPr lang="en-US" dirty="0" err="1" smtClean="0"/>
+              <a:t>Mixins</a:t>
+            </a:r>
+            <a:r>
+              <a:rPr lang="en-US" dirty="0" smtClean="0"/>
+              <a:t> (reusable snippets of style)</a:t>
+            </a:r>
+          </a:p>
+          <a:p>
+            <a:pPr lvl="1"/>
+            <a:r>
+              <a:rPr lang="en-US" dirty="0" smtClean="0"/>
+              <a:t>Loops and conditionals</a:t>
+            </a:r>
+          </a:p>
+          <a:p>
+            <a:pPr lvl="1"/>
+            <a:r>
+              <a:rPr lang="en-US" dirty="0" smtClean="0"/>
+              <a:t>Built in and custom functions</a:t>
+            </a:r>
+            <a:endParaRPr lang="en-US" dirty="0" smtClean="0"/>
+          </a:p>
+          <a:p>
+            <a:r>
+              <a:rPr lang="en-US" dirty="0" smtClean="0"/>
+              <a:t>Compiles </a:t>
+            </a:r>
+            <a:r>
+              <a:rPr lang="en-US" dirty="0" smtClean="0"/>
+              <a:t>into standard CSS</a:t>
             </a:r>
           </a:p>
           <a:p>
@@ -5199,7 +5499,7 @@
           <a:p>
             <a:r>
               <a:rPr lang="en-US" dirty="0" smtClean="0"/>
-              <a:t>Advantages</a:t>
+              <a:t>Why should I use them?</a:t>
             </a:r>
             <a:endParaRPr lang="en-US" dirty="0"/>
           </a:p>
@@ -5222,8 +5522,17 @@
           <a:p>
             <a:r>
               <a:rPr lang="en-US" dirty="0" smtClean="0"/>
-              <a:t>Cleaner, more reusable code</a:t>
-            </a:r>
+              <a:t>Cleaner, </a:t>
+            </a:r>
+            <a:r>
+              <a:rPr lang="en-US" dirty="0" smtClean="0"/>
+              <a:t>more reusable </a:t>
+            </a:r>
+            <a:r>
+              <a:rPr lang="en-US" dirty="0" smtClean="0"/>
+              <a:t>code (DRY)</a:t>
+            </a:r>
+            <a:endParaRPr lang="en-US" dirty="0" smtClean="0"/>
           </a:p>
           <a:p>
             <a:r>
@@ -5251,7 +5560,7 @@
     </p:spTree>
     <p:extLst>
       <p:ext uri="{BB962C8B-B14F-4D97-AF65-F5344CB8AC3E}">
-        <p14:creationId xmlns:p14="http://schemas.microsoft.com/office/powerpoint/2010/main" val="2779193824"/>
+        <p14:creationId xmlns:p14="http://schemas.microsoft.com/office/powerpoint/2010/main" val="1742934079"/>
       </p:ext>
     </p:extLst>
   </p:cSld>
@@ -5287,109 +5596,6 @@
       </p:grpSpPr>
       <p:sp>
         <p:nvSpPr>
-          <p:cNvPr id="2" name="Title 1"/>
-          <p:cNvSpPr>
-            <a:spLocks noGrp="1"/>
-          </p:cNvSpPr>
-          <p:nvPr>
-            <p:ph type="title"/>
-          </p:nvPr>
-        </p:nvSpPr>
-        <p:spPr/>
-        <p:txBody>
-          <a:bodyPr/>
-          <a:lstStyle/>
-          <a:p>
-            <a:r>
-              <a:rPr lang="en-US" dirty="0" smtClean="0"/>
-              <a:t>Features and functions</a:t>
-            </a:r>
-            <a:endParaRPr lang="en-US" dirty="0"/>
-          </a:p>
-        </p:txBody>
-      </p:sp>
-      <p:sp>
-        <p:nvSpPr>
-          <p:cNvPr id="3" name="Content Placeholder 2"/>
-          <p:cNvSpPr>
-            <a:spLocks noGrp="1"/>
-          </p:cNvSpPr>
-          <p:nvPr>
-            <p:ph sz="quarter" idx="10"/>
-          </p:nvPr>
-        </p:nvSpPr>
-        <p:spPr/>
-        <p:txBody>
-          <a:bodyPr/>
-          <a:lstStyle/>
-          <a:p>
-            <a:r>
-              <a:rPr lang="en-US" dirty="0" smtClean="0"/>
-              <a:t>Cleaner, more reusable code</a:t>
-            </a:r>
-          </a:p>
-          <a:p>
-            <a:r>
-              <a:rPr lang="en-US" dirty="0" smtClean="0"/>
-              <a:t>More flexibility and features </a:t>
-            </a:r>
-          </a:p>
-          <a:p>
-            <a:r>
-              <a:rPr lang="en-US" dirty="0" smtClean="0"/>
-              <a:t>Easily cross-browser compatible</a:t>
-            </a:r>
-          </a:p>
-          <a:p>
-            <a:endParaRPr lang="en-US" dirty="0" smtClean="0"/>
-          </a:p>
-          <a:p>
-            <a:endParaRPr lang="en-US" dirty="0" smtClean="0"/>
-          </a:p>
-          <a:p>
-            <a:endParaRPr lang="en-US" dirty="0"/>
-          </a:p>
-        </p:txBody>
-      </p:sp>
-    </p:spTree>
-    <p:extLst>
-      <p:ext uri="{BB962C8B-B14F-4D97-AF65-F5344CB8AC3E}">
-        <p14:creationId xmlns:p14="http://schemas.microsoft.com/office/powerpoint/2010/main" val="1742934079"/>
-      </p:ext>
-    </p:extLst>
-  </p:cSld>
-  <p:clrMapOvr>
-    <a:masterClrMapping/>
-  </p:clrMapOvr>
-  <p:timing>
-    <p:tnLst>
-      <p:par>
-        <p:cTn id="1" dur="indefinite" restart="never" nodeType="tmRoot"/>
-      </p:par>
-    </p:tnLst>
-  </p:timing>
-</p:sld>
-</file>
-
-<file path=ppt/slides/slide7.xml><?xml version="1.0" encoding="utf-8"?>
-<p:sld xmlns:a="http://schemas.openxmlformats.org/drawingml/2006/main" xmlns:r="http://schemas.openxmlformats.org/officeDocument/2006/relationships" xmlns:p="http://schemas.openxmlformats.org/presentationml/2006/main">
-  <p:cSld>
-    <p:spTree>
-      <p:nvGrpSpPr>
-        <p:cNvPr id="1" name=""/>
-        <p:cNvGrpSpPr/>
-        <p:nvPr/>
-      </p:nvGrpSpPr>
-      <p:grpSpPr>
-        <a:xfrm>
-          <a:off x="0" y="0"/>
-          <a:ext cx="0" cy="0"/>
-          <a:chOff x="0" y="0"/>
-          <a:chExt cx="0" cy="0"/>
-        </a:xfrm>
-      </p:grpSpPr>
-      <p:sp>
-        <p:nvSpPr>
           <p:cNvPr id="5" name="Text Placeholder 4"/>
           <p:cNvSpPr>
             <a:spLocks noGrp="1"/>
@@ -5450,7 +5656,7 @@
 </p:sld>
 </file>
 
-<file path=ppt/slides/slide8.xml><?xml version="1.0" encoding="utf-8"?>
+<file path=ppt/slides/slide7.xml><?xml version="1.0" encoding="utf-8"?>
 <p:sld xmlns:a="http://schemas.openxmlformats.org/drawingml/2006/main" xmlns:r="http://schemas.openxmlformats.org/officeDocument/2006/relationships" xmlns:p="http://schemas.openxmlformats.org/presentationml/2006/main">
   <p:cSld>
     <p:spTree>
@@ -5582,7 +5788,7 @@
 </p:sld>
 </file>
 
-<file path=ppt/slides/slide9.xml><?xml version="1.0" encoding="utf-8"?>
+<file path=ppt/slides/slide8.xml><?xml version="1.0" encoding="utf-8"?>
 <p:sld xmlns:a="http://schemas.openxmlformats.org/drawingml/2006/main" xmlns:r="http://schemas.openxmlformats.org/officeDocument/2006/relationships" xmlns:p="http://schemas.openxmlformats.org/presentationml/2006/main">
   <p:cSld>
     <p:spTree>
@@ -5692,8 +5898,8 @@
         </p:nvSpPr>
         <p:spPr>
           <a:xfrm>
-            <a:off x="531912" y="1524001"/>
-            <a:ext cx="3645950" cy="4953001"/>
+            <a:off x="379514" y="1524001"/>
+            <a:ext cx="3798348" cy="4953001"/>
           </a:xfrm>
           <a:prstGeom prst="rect">
             <a:avLst/>
@@ -5891,7 +6097,7 @@
         <p:spPr>
           <a:xfrm>
             <a:off x="8105598" y="1524000"/>
-            <a:ext cx="3747354" cy="4953001"/>
+            <a:ext cx="3938356" cy="4953001"/>
           </a:xfrm>
         </p:spPr>
         <p:txBody>
@@ -5948,6 +6154,66 @@
     <p:extLst>
       <p:ext uri="{BB962C8B-B14F-4D97-AF65-F5344CB8AC3E}">
         <p14:creationId xmlns:p14="http://schemas.microsoft.com/office/powerpoint/2010/main" val="947947074"/>
+      </p:ext>
+    </p:extLst>
+  </p:cSld>
+  <p:clrMapOvr>
+    <a:masterClrMapping/>
+  </p:clrMapOvr>
+  <p:timing>
+    <p:tnLst>
+      <p:par>
+        <p:cTn id="1" dur="indefinite" restart="never" nodeType="tmRoot"/>
+      </p:par>
+    </p:tnLst>
+  </p:timing>
+</p:sld>
+</file>
+
+<file path=ppt/slides/slide9.xml><?xml version="1.0" encoding="utf-8"?>
+<p:sld xmlns:a="http://schemas.openxmlformats.org/drawingml/2006/main" xmlns:r="http://schemas.openxmlformats.org/officeDocument/2006/relationships" xmlns:p="http://schemas.openxmlformats.org/presentationml/2006/main">
+  <p:cSld>
+    <p:spTree>
+      <p:nvGrpSpPr>
+        <p:cNvPr id="1" name=""/>
+        <p:cNvGrpSpPr/>
+        <p:nvPr/>
+      </p:nvGrpSpPr>
+      <p:grpSpPr>
+        <a:xfrm>
+          <a:off x="0" y="0"/>
+          <a:ext cx="0" cy="0"/>
+          <a:chOff x="0" y="0"/>
+          <a:chExt cx="0" cy="0"/>
+        </a:xfrm>
+      </p:grpSpPr>
+      <p:sp>
+        <p:nvSpPr>
+          <p:cNvPr id="4" name="Title 3"/>
+          <p:cNvSpPr>
+            <a:spLocks noGrp="1"/>
+          </p:cNvSpPr>
+          <p:nvPr>
+            <p:ph type="title"/>
+          </p:nvPr>
+        </p:nvSpPr>
+        <p:spPr/>
+        <p:txBody>
+          <a:bodyPr/>
+          <a:lstStyle/>
+          <a:p>
+            <a:r>
+              <a:rPr lang="en-US" dirty="0" smtClean="0"/>
+              <a:t>Preprocessor Differences</a:t>
+            </a:r>
+            <a:endParaRPr lang="en-US" dirty="0"/>
+          </a:p>
+        </p:txBody>
+      </p:sp>
+    </p:spTree>
+    <p:extLst>
+      <p:ext uri="{BB962C8B-B14F-4D97-AF65-F5344CB8AC3E}">
+        <p14:creationId xmlns:p14="http://schemas.microsoft.com/office/powerpoint/2010/main" val="4090610172"/>
       </p:ext>
     </p:extLst>
   </p:cSld>
@@ -6772,21 +7038,6 @@
 </file>
 
 <file path=customXml/item1.xml><?xml version="1.0" encoding="utf-8"?>
-<p:properties xmlns:p="http://schemas.microsoft.com/office/2006/metadata/properties" xmlns:xsi="http://www.w3.org/2001/XMLSchema-instance" xmlns:pc="http://schemas.microsoft.com/office/infopath/2007/PartnerControls">
-  <documentManagement/>
-</p:properties>
-</file>
-
-<file path=customXml/item2.xml><?xml version="1.0" encoding="utf-8"?>
-<?mso-contentType ?>
-<FormTemplates xmlns="http://schemas.microsoft.com/sharepoint/v3/contenttype/forms">
-  <Display>DocumentLibraryForm</Display>
-  <Edit>DocumentLibraryForm</Edit>
-  <New>DocumentLibraryForm</New>
-</FormTemplates>
-</file>
-
-<file path=customXml/item3.xml><?xml version="1.0" encoding="utf-8"?>
 <ct:contentTypeSchema xmlns:ct="http://schemas.microsoft.com/office/2006/metadata/contentType" xmlns:ma="http://schemas.microsoft.com/office/2006/metadata/properties/metaAttributes" ct:_="" ma:_="" ma:contentTypeName="Document" ma:contentTypeID="0x0101003950112AD8B795438BF76DC29E37E368" ma:contentTypeVersion="1" ma:contentTypeDescription="Create a new document." ma:contentTypeScope="" ma:versionID="ab64a1350ae4601b1700e84aab503654">
   <xsd:schema xmlns:xsd="http://www.w3.org/2001/XMLSchema" xmlns:xs="http://www.w3.org/2001/XMLSchema" xmlns:p="http://schemas.microsoft.com/office/2006/metadata/properties" xmlns:ns3="40f62f3d-88fb-416f-8aeb-e1a0b982e955" targetNamespace="http://schemas.microsoft.com/office/2006/metadata/properties" ma:root="true" ma:fieldsID="f35b2b2bf5bbfa784ec62d29f705a4d5" ns3:_="">
     <xsd:import namespace="40f62f3d-88fb-416f-8aeb-e1a0b982e955"/>
@@ -6926,31 +7177,22 @@
 </ct:contentTypeSchema>
 </file>
 
-<file path=customXml/itemProps1.xml><?xml version="1.0" encoding="utf-8"?>
-<ds:datastoreItem xmlns:ds="http://schemas.openxmlformats.org/officeDocument/2006/customXml" ds:itemID="{7025FDD9-4C58-4084-9F89-0E6ADD6FFF55}">
-  <ds:schemaRefs>
-    <ds:schemaRef ds:uri="40f62f3d-88fb-416f-8aeb-e1a0b982e955"/>
-    <ds:schemaRef ds:uri="http://purl.org/dc/terms/"/>
-    <ds:schemaRef ds:uri="http://schemas.microsoft.com/office/2006/documentManagement/types"/>
-    <ds:schemaRef ds:uri="http://schemas.microsoft.com/office/infopath/2007/PartnerControls"/>
-    <ds:schemaRef ds:uri="http://purl.org/dc/elements/1.1/"/>
-    <ds:schemaRef ds:uri="http://schemas.microsoft.com/office/2006/metadata/properties"/>
-    <ds:schemaRef ds:uri="http://schemas.openxmlformats.org/package/2006/metadata/core-properties"/>
-    <ds:schemaRef ds:uri="http://www.w3.org/XML/1998/namespace"/>
-    <ds:schemaRef ds:uri="http://purl.org/dc/dcmitype/"/>
-  </ds:schemaRefs>
-</ds:datastoreItem>
+<file path=customXml/item2.xml><?xml version="1.0" encoding="utf-8"?>
+<?mso-contentType ?>
+<FormTemplates xmlns="http://schemas.microsoft.com/sharepoint/v3/contenttype/forms">
+  <Display>DocumentLibraryForm</Display>
+  <Edit>DocumentLibraryForm</Edit>
+  <New>DocumentLibraryForm</New>
+</FormTemplates>
 </file>
 
-<file path=customXml/itemProps2.xml><?xml version="1.0" encoding="utf-8"?>
-<ds:datastoreItem xmlns:ds="http://schemas.openxmlformats.org/officeDocument/2006/customXml" ds:itemID="{B0CA13EC-1D3C-4D6F-8D1C-E8A452CFC79A}">
-  <ds:schemaRefs>
-    <ds:schemaRef ds:uri="http://schemas.microsoft.com/sharepoint/v3/contenttype/forms"/>
-  </ds:schemaRefs>
-</ds:datastoreItem>
+<file path=customXml/item3.xml><?xml version="1.0" encoding="utf-8"?>
+<p:properties xmlns:p="http://schemas.microsoft.com/office/2006/metadata/properties" xmlns:xsi="http://www.w3.org/2001/XMLSchema-instance" xmlns:pc="http://schemas.microsoft.com/office/infopath/2007/PartnerControls">
+  <documentManagement/>
+</p:properties>
 </file>
 
-<file path=customXml/itemProps3.xml><?xml version="1.0" encoding="utf-8"?>
+<file path=customXml/itemProps1.xml><?xml version="1.0" encoding="utf-8"?>
 <ds:datastoreItem xmlns:ds="http://schemas.openxmlformats.org/officeDocument/2006/customXml" ds:itemID="{B3568497-C095-4F98-82BE-21A944C27C1E}">
   <ds:schemaRefs>
     <ds:schemaRef ds:uri="http://schemas.microsoft.com/office/2006/metadata/contentType"/>
@@ -6966,4 +7208,28 @@
     <ds:schemaRef ds:uri="http://schemas.microsoft.com/internal/obd"/>
   </ds:schemaRefs>
 </ds:datastoreItem>
+</file>
+
+<file path=customXml/itemProps2.xml><?xml version="1.0" encoding="utf-8"?>
+<ds:datastoreItem xmlns:ds="http://schemas.openxmlformats.org/officeDocument/2006/customXml" ds:itemID="{B0CA13EC-1D3C-4D6F-8D1C-E8A452CFC79A}">
+  <ds:schemaRefs>
+    <ds:schemaRef ds:uri="http://schemas.microsoft.com/sharepoint/v3/contenttype/forms"/>
+  </ds:schemaRefs>
+</ds:datastoreItem>
+</file>
+
+<file path=customXml/itemProps3.xml><?xml version="1.0" encoding="utf-8"?>
+<ds:datastoreItem xmlns:ds="http://schemas.openxmlformats.org/officeDocument/2006/customXml" ds:itemID="{7025FDD9-4C58-4084-9F89-0E6ADD6FFF55}">
+  <ds:schemaRefs>
+    <ds:schemaRef ds:uri="http://schemas.openxmlformats.org/package/2006/metadata/core-properties"/>
+    <ds:schemaRef ds:uri="http://purl.org/dc/terms/"/>
+    <ds:schemaRef ds:uri="http://schemas.microsoft.com/office/infopath/2007/PartnerControls"/>
+    <ds:schemaRef ds:uri="http://schemas.microsoft.com/office/2006/documentManagement/types"/>
+    <ds:schemaRef ds:uri="http://schemas.microsoft.com/office/2006/metadata/properties"/>
+    <ds:schemaRef ds:uri="http://purl.org/dc/elements/1.1/"/>
+    <ds:schemaRef ds:uri="40f62f3d-88fb-416f-8aeb-e1a0b982e955"/>
+    <ds:schemaRef ds:uri="http://www.w3.org/XML/1998/namespace"/>
+    <ds:schemaRef ds:uri="http://purl.org/dc/dcmitype/"/>
+  </ds:schemaRefs>
+</ds:datastoreItem>
 </file>